--- a/presentacion.pptx
+++ b/presentacion.pptx
@@ -3980,13 +3980,13 @@
   <p:clrMapOvr>
     <a:masterClrMapping/>
   </p:clrMapOvr>
-  <mc:AlternateContent xmlns:mc="http://schemas.openxmlformats.org/markup-compatibility/2006">
-    <mc:Choice xmlns:p159="http://schemas.microsoft.com/office/powerpoint/2015/09/main" Requires="p159">
+  <mc:AlternateContent xmlns:mc="http://schemas.openxmlformats.org/markup-compatibility/2006" xmlns:p159="http://schemas.microsoft.com/office/powerpoint/2015/09/main">
+    <mc:Choice Requires="p159">
       <p:transition xmlns:p14="http://schemas.microsoft.com/office/powerpoint/2010/main" p14:dur="250">
         <p159:morph option="byObject"/>
       </p:transition>
     </mc:Choice>
-    <mc:Fallback>
+    <mc:Fallback xmlns="">
       <p:transition>
         <p:fade/>
       </p:transition>
@@ -4921,13 +4921,13 @@
   <p:clrMapOvr>
     <a:masterClrMapping/>
   </p:clrMapOvr>
-  <mc:AlternateContent xmlns:mc="http://schemas.openxmlformats.org/markup-compatibility/2006">
-    <mc:Choice xmlns:p159="http://schemas.microsoft.com/office/powerpoint/2015/09/main" Requires="p159">
+  <mc:AlternateContent xmlns:mc="http://schemas.openxmlformats.org/markup-compatibility/2006" xmlns:p159="http://schemas.microsoft.com/office/powerpoint/2015/09/main">
+    <mc:Choice Requires="p159">
       <p:transition xmlns:p14="http://schemas.microsoft.com/office/powerpoint/2010/main" p14:dur="250">
         <p159:morph option="byObject"/>
       </p:transition>
     </mc:Choice>
-    <mc:Fallback>
+    <mc:Fallback xmlns="">
       <p:transition>
         <p:fade/>
       </p:transition>
@@ -5431,13 +5431,13 @@
   <p:clrMapOvr>
     <a:masterClrMapping/>
   </p:clrMapOvr>
-  <mc:AlternateContent xmlns:mc="http://schemas.openxmlformats.org/markup-compatibility/2006">
-    <mc:Choice xmlns:p159="http://schemas.microsoft.com/office/powerpoint/2015/09/main" Requires="p159">
+  <mc:AlternateContent xmlns:mc="http://schemas.openxmlformats.org/markup-compatibility/2006" xmlns:p159="http://schemas.microsoft.com/office/powerpoint/2015/09/main">
+    <mc:Choice Requires="p159">
       <p:transition xmlns:p14="http://schemas.microsoft.com/office/powerpoint/2010/main" p14:dur="250">
         <p159:morph option="byObject"/>
       </p:transition>
     </mc:Choice>
-    <mc:Fallback>
+    <mc:Fallback xmlns="">
       <p:transition>
         <p:fade/>
       </p:transition>
@@ -6351,13 +6351,13 @@
   <p:clrMapOvr>
     <a:masterClrMapping/>
   </p:clrMapOvr>
-  <mc:AlternateContent xmlns:mc="http://schemas.openxmlformats.org/markup-compatibility/2006">
-    <mc:Choice xmlns:p159="http://schemas.microsoft.com/office/powerpoint/2015/09/main" Requires="p159">
+  <mc:AlternateContent xmlns:mc="http://schemas.openxmlformats.org/markup-compatibility/2006" xmlns:p159="http://schemas.microsoft.com/office/powerpoint/2015/09/main">
+    <mc:Choice Requires="p159">
       <p:transition xmlns:p14="http://schemas.microsoft.com/office/powerpoint/2010/main" p14:dur="250">
         <p159:morph option="byObject"/>
       </p:transition>
     </mc:Choice>
-    <mc:Fallback>
+    <mc:Fallback xmlns="">
       <p:transition>
         <p:fade/>
       </p:transition>
@@ -7673,13 +7673,13 @@
   <p:clrMapOvr>
     <a:masterClrMapping/>
   </p:clrMapOvr>
-  <mc:AlternateContent xmlns:mc="http://schemas.openxmlformats.org/markup-compatibility/2006">
-    <mc:Choice xmlns:p159="http://schemas.microsoft.com/office/powerpoint/2015/09/main" Requires="p159">
+  <mc:AlternateContent xmlns:mc="http://schemas.openxmlformats.org/markup-compatibility/2006" xmlns:p159="http://schemas.microsoft.com/office/powerpoint/2015/09/main">
+    <mc:Choice Requires="p159">
       <p:transition xmlns:p14="http://schemas.microsoft.com/office/powerpoint/2010/main" p14:dur="250">
         <p159:morph option="byObject"/>
       </p:transition>
     </mc:Choice>
-    <mc:Fallback>
+    <mc:Fallback xmlns="">
       <p:transition>
         <p:fade/>
       </p:transition>
@@ -8249,13 +8249,13 @@
   <p:clrMapOvr>
     <a:masterClrMapping/>
   </p:clrMapOvr>
-  <mc:AlternateContent xmlns:mc="http://schemas.openxmlformats.org/markup-compatibility/2006">
-    <mc:Choice xmlns:p159="http://schemas.microsoft.com/office/powerpoint/2015/09/main" Requires="p159">
+  <mc:AlternateContent xmlns:mc="http://schemas.openxmlformats.org/markup-compatibility/2006" xmlns:p159="http://schemas.microsoft.com/office/powerpoint/2015/09/main">
+    <mc:Choice Requires="p159">
       <p:transition xmlns:p14="http://schemas.microsoft.com/office/powerpoint/2010/main" p14:dur="250">
         <p159:morph option="byObject"/>
       </p:transition>
     </mc:Choice>
-    <mc:Fallback>
+    <mc:Fallback xmlns="">
       <p:transition>
         <p:fade/>
       </p:transition>
@@ -8753,13 +8753,13 @@
   <p:clrMapOvr>
     <a:masterClrMapping/>
   </p:clrMapOvr>
-  <mc:AlternateContent xmlns:mc="http://schemas.openxmlformats.org/markup-compatibility/2006">
-    <mc:Choice xmlns:p159="http://schemas.microsoft.com/office/powerpoint/2015/09/main" Requires="p159">
+  <mc:AlternateContent xmlns:mc="http://schemas.openxmlformats.org/markup-compatibility/2006" xmlns:p159="http://schemas.microsoft.com/office/powerpoint/2015/09/main">
+    <mc:Choice Requires="p159">
       <p:transition xmlns:p14="http://schemas.microsoft.com/office/powerpoint/2010/main" p14:dur="250">
         <p159:morph option="byObject"/>
       </p:transition>
     </mc:Choice>
-    <mc:Fallback>
+    <mc:Fallback xmlns="">
       <p:transition>
         <p:fade/>
       </p:transition>
@@ -9268,8 +9268,8 @@
         </p:blipFill>
         <p:spPr>
           <a:xfrm>
-            <a:off x="5763006" y="1"/>
-            <a:ext cx="3380994" cy="2240280"/>
+            <a:off x="6497025" y="145855"/>
+            <a:ext cx="3106461" cy="2058372"/>
           </a:xfrm>
           <a:prstGeom prst="rect">
             <a:avLst/>
@@ -9637,6 +9637,183 @@
           </a:prstGeom>
         </p:spPr>
       </p:pic>
+      <p:pic>
+        <p:nvPicPr>
+          <p:cNvPr id="1026" name="Picture 2">
+            <a:extLst>
+              <a:ext uri="{FF2B5EF4-FFF2-40B4-BE49-F238E27FC236}">
+                <a16:creationId xmlns:a16="http://schemas.microsoft.com/office/drawing/2014/main" id="{A1EEBBE0-172A-4472-6AE9-6FBEE22C1B00}"/>
+              </a:ext>
+            </a:extLst>
+          </p:cNvPr>
+          <p:cNvPicPr>
+            <a:picLocks noChangeAspect="1" noChangeArrowheads="1"/>
+          </p:cNvPicPr>
+          <p:nvPr/>
+        </p:nvPicPr>
+        <p:blipFill>
+          <a:blip r:embed="rId9">
+            <a:extLst>
+              <a:ext uri="{28A0092B-C50C-407E-A947-70E740481C1C}">
+                <a14:useLocalDpi xmlns:a14="http://schemas.microsoft.com/office/drawing/2010/main" val="0"/>
+              </a:ext>
+            </a:extLst>
+          </a:blip>
+          <a:srcRect/>
+          <a:stretch>
+            <a:fillRect/>
+          </a:stretch>
+        </p:blipFill>
+        <p:spPr bwMode="auto">
+          <a:xfrm>
+            <a:off x="180423" y="4933511"/>
+            <a:ext cx="1690991" cy="1690991"/>
+          </a:xfrm>
+          <a:prstGeom prst="rect">
+            <a:avLst/>
+          </a:prstGeom>
+          <a:noFill/>
+          <a:extLst>
+            <a:ext uri="{909E8E84-426E-40DD-AFC4-6F175D3DCCD1}">
+              <a14:hiddenFill xmlns:a14="http://schemas.microsoft.com/office/drawing/2010/main">
+                <a:solidFill>
+                  <a:srgbClr val="FFFFFF"/>
+                </a:solidFill>
+              </a14:hiddenFill>
+            </a:ext>
+          </a:extLst>
+        </p:spPr>
+      </p:pic>
+      <p:pic>
+        <p:nvPicPr>
+          <p:cNvPr id="1028" name="Picture 4" descr="Jquery vertical logo - Iconos Social Media y Logos">
+            <a:extLst>
+              <a:ext uri="{FF2B5EF4-FFF2-40B4-BE49-F238E27FC236}">
+                <a16:creationId xmlns:a16="http://schemas.microsoft.com/office/drawing/2014/main" id="{7F48B05D-ECC7-8EDC-EEF8-9323492CBFC0}"/>
+              </a:ext>
+            </a:extLst>
+          </p:cNvPr>
+          <p:cNvPicPr>
+            <a:picLocks noChangeAspect="1" noChangeArrowheads="1"/>
+          </p:cNvPicPr>
+          <p:nvPr/>
+        </p:nvPicPr>
+        <p:blipFill>
+          <a:blip r:embed="rId10">
+            <a:extLst>
+              <a:ext uri="{28A0092B-C50C-407E-A947-70E740481C1C}">
+                <a14:useLocalDpi xmlns:a14="http://schemas.microsoft.com/office/drawing/2010/main" val="0"/>
+              </a:ext>
+            </a:extLst>
+          </a:blip>
+          <a:srcRect/>
+          <a:stretch>
+            <a:fillRect/>
+          </a:stretch>
+        </p:blipFill>
+        <p:spPr bwMode="auto">
+          <a:xfrm>
+            <a:off x="4107058" y="2756365"/>
+            <a:ext cx="2114032" cy="1986034"/>
+          </a:xfrm>
+          <a:prstGeom prst="rect">
+            <a:avLst/>
+          </a:prstGeom>
+          <a:noFill/>
+          <a:extLst>
+            <a:ext uri="{909E8E84-426E-40DD-AFC4-6F175D3DCCD1}">
+              <a14:hiddenFill xmlns:a14="http://schemas.microsoft.com/office/drawing/2010/main">
+                <a:solidFill>
+                  <a:srgbClr val="FFFFFF"/>
+                </a:solidFill>
+              </a14:hiddenFill>
+            </a:ext>
+          </a:extLst>
+        </p:spPr>
+      </p:pic>
+      <p:pic>
+        <p:nvPicPr>
+          <p:cNvPr id="3" name="Picture 6">
+            <a:extLst>
+              <a:ext uri="{FF2B5EF4-FFF2-40B4-BE49-F238E27FC236}">
+                <a16:creationId xmlns:a16="http://schemas.microsoft.com/office/drawing/2014/main" id="{1B355B38-D80C-F596-4BFD-CDAA897595E9}"/>
+              </a:ext>
+            </a:extLst>
+          </p:cNvPr>
+          <p:cNvPicPr>
+            <a:picLocks noChangeAspect="1" noChangeArrowheads="1"/>
+          </p:cNvPicPr>
+          <p:nvPr/>
+        </p:nvPicPr>
+        <p:blipFill>
+          <a:blip r:embed="rId11">
+            <a:extLst>
+              <a:ext uri="{28A0092B-C50C-407E-A947-70E740481C1C}">
+                <a14:useLocalDpi xmlns:a14="http://schemas.microsoft.com/office/drawing/2010/main" val="0"/>
+              </a:ext>
+            </a:extLst>
+          </a:blip>
+          <a:srcRect/>
+          <a:stretch>
+            <a:fillRect/>
+          </a:stretch>
+        </p:blipFill>
+        <p:spPr bwMode="auto">
+          <a:xfrm>
+            <a:off x="2583689" y="4044509"/>
+            <a:ext cx="1523369" cy="1213974"/>
+          </a:xfrm>
+          <a:prstGeom prst="rect">
+            <a:avLst/>
+          </a:prstGeom>
+          <a:noFill/>
+          <a:extLst>
+            <a:ext uri="{909E8E84-426E-40DD-AFC4-6F175D3DCCD1}">
+              <a14:hiddenFill xmlns:a14="http://schemas.microsoft.com/office/drawing/2010/main">
+                <a:solidFill>
+                  <a:srgbClr val="FFFFFF"/>
+                </a:solidFill>
+              </a14:hiddenFill>
+            </a:ext>
+          </a:extLst>
+        </p:spPr>
+      </p:pic>
+      <p:pic>
+        <p:nvPicPr>
+          <p:cNvPr id="12" name="Gráfico 11">
+            <a:extLst>
+              <a:ext uri="{FF2B5EF4-FFF2-40B4-BE49-F238E27FC236}">
+                <a16:creationId xmlns:a16="http://schemas.microsoft.com/office/drawing/2014/main" id="{83AC8C26-C80A-CC40-D069-7B7CA3A7E352}"/>
+              </a:ext>
+            </a:extLst>
+          </p:cNvPr>
+          <p:cNvPicPr>
+            <a:picLocks noChangeAspect="1"/>
+          </p:cNvPicPr>
+          <p:nvPr/>
+        </p:nvPicPr>
+        <p:blipFill>
+          <a:blip r:embed="rId12">
+            <a:extLst>
+              <a:ext uri="{96DAC541-7B7A-43D3-8B79-37D633B846F1}">
+                <asvg:svgBlip xmlns:asvg="http://schemas.microsoft.com/office/drawing/2016/SVG/main" r:embed="rId13"/>
+              </a:ext>
+            </a:extLst>
+          </a:blip>
+          <a:stretch>
+            <a:fillRect/>
+          </a:stretch>
+        </p:blipFill>
+        <p:spPr>
+          <a:xfrm>
+            <a:off x="4574158" y="650262"/>
+            <a:ext cx="2647869" cy="932907"/>
+          </a:xfrm>
+          <a:prstGeom prst="rect">
+            <a:avLst/>
+          </a:prstGeom>
+        </p:spPr>
+      </p:pic>
     </p:spTree>
     <p:extLst>
       <p:ext uri="{BB962C8B-B14F-4D97-AF65-F5344CB8AC3E}">
@@ -9647,13 +9824,13 @@
   <p:clrMapOvr>
     <a:masterClrMapping/>
   </p:clrMapOvr>
-  <mc:AlternateContent xmlns:mc="http://schemas.openxmlformats.org/markup-compatibility/2006">
-    <mc:Choice xmlns:p159="http://schemas.microsoft.com/office/powerpoint/2015/09/main" Requires="p159">
+  <mc:AlternateContent xmlns:mc="http://schemas.openxmlformats.org/markup-compatibility/2006" xmlns:p159="http://schemas.microsoft.com/office/powerpoint/2015/09/main">
+    <mc:Choice Requires="p159">
       <p:transition xmlns:p14="http://schemas.microsoft.com/office/powerpoint/2010/main" p14:dur="250">
         <p159:morph option="byObject"/>
       </p:transition>
     </mc:Choice>
-    <mc:Fallback>
+    <mc:Fallback xmlns="">
       <p:transition>
         <p:fade/>
       </p:transition>
@@ -10073,13 +10250,13 @@
   <p:clrMapOvr>
     <a:masterClrMapping/>
   </p:clrMapOvr>
-  <mc:AlternateContent xmlns:mc="http://schemas.openxmlformats.org/markup-compatibility/2006">
-    <mc:Choice xmlns:p159="http://schemas.microsoft.com/office/powerpoint/2015/09/main" Requires="p159">
+  <mc:AlternateContent xmlns:mc="http://schemas.openxmlformats.org/markup-compatibility/2006" xmlns:p159="http://schemas.microsoft.com/office/powerpoint/2015/09/main">
+    <mc:Choice Requires="p159">
       <p:transition xmlns:p14="http://schemas.microsoft.com/office/powerpoint/2010/main" p14:dur="250">
         <p159:morph option="byObject"/>
       </p:transition>
     </mc:Choice>
-    <mc:Fallback>
+    <mc:Fallback xmlns="">
       <p:transition>
         <p:fade/>
       </p:transition>
@@ -10692,13 +10869,13 @@
   <p:clrMapOvr>
     <a:masterClrMapping/>
   </p:clrMapOvr>
-  <mc:AlternateContent xmlns:mc="http://schemas.openxmlformats.org/markup-compatibility/2006">
-    <mc:Choice xmlns:p159="http://schemas.microsoft.com/office/powerpoint/2015/09/main" Requires="p159">
+  <mc:AlternateContent xmlns:mc="http://schemas.openxmlformats.org/markup-compatibility/2006" xmlns:p159="http://schemas.microsoft.com/office/powerpoint/2015/09/main">
+    <mc:Choice Requires="p159">
       <p:transition xmlns:p14="http://schemas.microsoft.com/office/powerpoint/2010/main" p14:dur="250">
         <p159:morph option="byObject"/>
       </p:transition>
     </mc:Choice>
-    <mc:Fallback>
+    <mc:Fallback xmlns="">
       <p:transition>
         <p:fade/>
       </p:transition>
@@ -11512,13 +11689,13 @@
   <p:clrMapOvr>
     <a:masterClrMapping/>
   </p:clrMapOvr>
-  <mc:AlternateContent xmlns:mc="http://schemas.openxmlformats.org/markup-compatibility/2006">
-    <mc:Choice xmlns:p159="http://schemas.microsoft.com/office/powerpoint/2015/09/main" Requires="p159">
+  <mc:AlternateContent xmlns:mc="http://schemas.openxmlformats.org/markup-compatibility/2006" xmlns:p159="http://schemas.microsoft.com/office/powerpoint/2015/09/main">
+    <mc:Choice Requires="p159">
       <p:transition xmlns:p14="http://schemas.microsoft.com/office/powerpoint/2010/main" p14:dur="250">
         <p159:morph option="byObject"/>
       </p:transition>
     </mc:Choice>
-    <mc:Fallback>
+    <mc:Fallback xmlns="">
       <p:transition>
         <p:fade/>
       </p:transition>
